--- a/onlyoffice_odoo/static/assets/document_templates/nl-NL/new.pptx
+++ b/onlyoffice_odoo/static/assets/document_templates/nl-NL/new.pptx
@@ -2890,7 +2890,7 @@
           <a:p>
             <a:r>
               <a:rPr lang="nl-NL"/>
-              <a:t>Upravte štýly predlohy textu</a:t>
+              <a:t>Klik om de stijl te bewerken</a:t>
             </a:r>
           </a:p>
         </p:txBody>
